--- a/specs.pptx
+++ b/specs.pptx
@@ -14,6 +14,10 @@
     <p:sldId id="262" r:id="rId8"/>
     <p:sldId id="263" r:id="rId9"/>
     <p:sldId id="264" r:id="rId10"/>
+    <p:sldId id="265" r:id="rId11"/>
+    <p:sldId id="268" r:id="rId12"/>
+    <p:sldId id="266" r:id="rId13"/>
+    <p:sldId id="267" r:id="rId14"/>
   </p:sldIdLst>
   <p:sldSz cx="12192000" cy="6858000"/>
   <p:notesSz cx="6858000" cy="9144000"/>
@@ -112,6 +116,11 @@
       </a:defRPr>
     </a:lvl9pPr>
   </p:defaultTextStyle>
+  <p:extLst>
+    <p:ext uri="{EFAFB233-063F-42B5-8137-9DF3F51BA10A}">
+      <p15:sldGuideLst xmlns:p15="http://schemas.microsoft.com/office/powerpoint/2012/main"/>
+    </p:ext>
+  </p:extLst>
 </p:presentation>
 </file>
 
@@ -264,7 +273,7 @@
           <a:p>
             <a:fld id="{4EEC117D-A73C-4137-B645-D455D547709E}" type="datetimeFigureOut">
               <a:rPr lang="fr-FR" smtClean="0"/>
-              <a:t>03/04/2022</a:t>
+              <a:t>12/04/2022</a:t>
             </a:fld>
             <a:endParaRPr lang="fr-FR"/>
           </a:p>
@@ -464,7 +473,7 @@
           <a:p>
             <a:fld id="{4EEC117D-A73C-4137-B645-D455D547709E}" type="datetimeFigureOut">
               <a:rPr lang="fr-FR" smtClean="0"/>
-              <a:t>03/04/2022</a:t>
+              <a:t>12/04/2022</a:t>
             </a:fld>
             <a:endParaRPr lang="fr-FR"/>
           </a:p>
@@ -674,7 +683,7 @@
           <a:p>
             <a:fld id="{4EEC117D-A73C-4137-B645-D455D547709E}" type="datetimeFigureOut">
               <a:rPr lang="fr-FR" smtClean="0"/>
-              <a:t>03/04/2022</a:t>
+              <a:t>12/04/2022</a:t>
             </a:fld>
             <a:endParaRPr lang="fr-FR"/>
           </a:p>
@@ -874,7 +883,7 @@
           <a:p>
             <a:fld id="{4EEC117D-A73C-4137-B645-D455D547709E}" type="datetimeFigureOut">
               <a:rPr lang="fr-FR" smtClean="0"/>
-              <a:t>03/04/2022</a:t>
+              <a:t>12/04/2022</a:t>
             </a:fld>
             <a:endParaRPr lang="fr-FR"/>
           </a:p>
@@ -1150,7 +1159,7 @@
           <a:p>
             <a:fld id="{4EEC117D-A73C-4137-B645-D455D547709E}" type="datetimeFigureOut">
               <a:rPr lang="fr-FR" smtClean="0"/>
-              <a:t>03/04/2022</a:t>
+              <a:t>12/04/2022</a:t>
             </a:fld>
             <a:endParaRPr lang="fr-FR"/>
           </a:p>
@@ -1418,7 +1427,7 @@
           <a:p>
             <a:fld id="{4EEC117D-A73C-4137-B645-D455D547709E}" type="datetimeFigureOut">
               <a:rPr lang="fr-FR" smtClean="0"/>
-              <a:t>03/04/2022</a:t>
+              <a:t>12/04/2022</a:t>
             </a:fld>
             <a:endParaRPr lang="fr-FR"/>
           </a:p>
@@ -1833,7 +1842,7 @@
           <a:p>
             <a:fld id="{4EEC117D-A73C-4137-B645-D455D547709E}" type="datetimeFigureOut">
               <a:rPr lang="fr-FR" smtClean="0"/>
-              <a:t>03/04/2022</a:t>
+              <a:t>12/04/2022</a:t>
             </a:fld>
             <a:endParaRPr lang="fr-FR"/>
           </a:p>
@@ -1975,7 +1984,7 @@
           <a:p>
             <a:fld id="{4EEC117D-A73C-4137-B645-D455D547709E}" type="datetimeFigureOut">
               <a:rPr lang="fr-FR" smtClean="0"/>
-              <a:t>03/04/2022</a:t>
+              <a:t>12/04/2022</a:t>
             </a:fld>
             <a:endParaRPr lang="fr-FR"/>
           </a:p>
@@ -2088,7 +2097,7 @@
           <a:p>
             <a:fld id="{4EEC117D-A73C-4137-B645-D455D547709E}" type="datetimeFigureOut">
               <a:rPr lang="fr-FR" smtClean="0"/>
-              <a:t>03/04/2022</a:t>
+              <a:t>12/04/2022</a:t>
             </a:fld>
             <a:endParaRPr lang="fr-FR"/>
           </a:p>
@@ -2401,7 +2410,7 @@
           <a:p>
             <a:fld id="{4EEC117D-A73C-4137-B645-D455D547709E}" type="datetimeFigureOut">
               <a:rPr lang="fr-FR" smtClean="0"/>
-              <a:t>03/04/2022</a:t>
+              <a:t>12/04/2022</a:t>
             </a:fld>
             <a:endParaRPr lang="fr-FR"/>
           </a:p>
@@ -2690,7 +2699,7 @@
           <a:p>
             <a:fld id="{4EEC117D-A73C-4137-B645-D455D547709E}" type="datetimeFigureOut">
               <a:rPr lang="fr-FR" smtClean="0"/>
-              <a:t>03/04/2022</a:t>
+              <a:t>12/04/2022</a:t>
             </a:fld>
             <a:endParaRPr lang="fr-FR"/>
           </a:p>
@@ -2933,7 +2942,7 @@
           <a:p>
             <a:fld id="{4EEC117D-A73C-4137-B645-D455D547709E}" type="datetimeFigureOut">
               <a:rPr lang="fr-FR" smtClean="0"/>
-              <a:t>03/04/2022</a:t>
+              <a:t>12/04/2022</a:t>
             </a:fld>
             <a:endParaRPr lang="fr-FR"/>
           </a:p>
@@ -3416,6 +3425,476 @@
 </p:sld>
 </file>
 
+<file path=ppt/slides/slide10.xml><?xml version="1.0" encoding="utf-8"?>
+<p:sld xmlns:a="http://schemas.openxmlformats.org/drawingml/2006/main" xmlns:r="http://schemas.openxmlformats.org/officeDocument/2006/relationships" xmlns:p="http://schemas.openxmlformats.org/presentationml/2006/main">
+  <p:cSld>
+    <p:spTree>
+      <p:nvGrpSpPr>
+        <p:cNvPr id="1" name=""/>
+        <p:cNvGrpSpPr/>
+        <p:nvPr/>
+      </p:nvGrpSpPr>
+      <p:grpSpPr>
+        <a:xfrm>
+          <a:off x="0" y="0"/>
+          <a:ext cx="0" cy="0"/>
+          <a:chOff x="0" y="0"/>
+          <a:chExt cx="0" cy="0"/>
+        </a:xfrm>
+      </p:grpSpPr>
+      <p:sp>
+        <p:nvSpPr>
+          <p:cNvPr id="2" name="Title 1"/>
+          <p:cNvSpPr>
+            <a:spLocks noGrp="1"/>
+          </p:cNvSpPr>
+          <p:nvPr>
+            <p:ph type="title"/>
+          </p:nvPr>
+        </p:nvSpPr>
+        <p:spPr/>
+        <p:txBody>
+          <a:bodyPr/>
+          <a:lstStyle/>
+          <a:p>
+            <a:r>
+              <a:rPr lang="en-US" dirty="0" err="1" smtClean="0"/>
+              <a:t>Pos</a:t>
+            </a:r>
+            <a:r>
+              <a:rPr lang="en-US" dirty="0" smtClean="0"/>
+              <a:t> – Main screens</a:t>
+            </a:r>
+            <a:endParaRPr lang="en-US" dirty="0"/>
+          </a:p>
+        </p:txBody>
+      </p:sp>
+      <p:sp>
+        <p:nvSpPr>
+          <p:cNvPr id="3" name="Content Placeholder 2"/>
+          <p:cNvSpPr>
+            <a:spLocks noGrp="1"/>
+          </p:cNvSpPr>
+          <p:nvPr>
+            <p:ph idx="1"/>
+          </p:nvPr>
+        </p:nvSpPr>
+        <p:spPr/>
+        <p:txBody>
+          <a:bodyPr/>
+          <a:lstStyle/>
+          <a:p>
+            <a:r>
+              <a:rPr lang="en-US" dirty="0" smtClean="0"/>
+              <a:t>The different </a:t>
+            </a:r>
+            <a:r>
+              <a:rPr lang="en-US" dirty="0" err="1" smtClean="0"/>
+              <a:t>PoS</a:t>
+            </a:r>
+            <a:r>
+              <a:rPr lang="en-US" dirty="0" smtClean="0"/>
+              <a:t> are registered on the server (via the </a:t>
+            </a:r>
+            <a:r>
+              <a:rPr lang="en-US" dirty="0" err="1" smtClean="0"/>
+              <a:t>PoS</a:t>
+            </a:r>
+            <a:r>
+              <a:rPr lang="en-US" dirty="0" smtClean="0"/>
+              <a:t> </a:t>
+            </a:r>
+            <a:r>
+              <a:rPr lang="en-US" dirty="0" err="1" smtClean="0"/>
+              <a:t>config</a:t>
+            </a:r>
+            <a:r>
+              <a:rPr lang="en-US" dirty="0" smtClean="0"/>
+              <a:t> app) and the login is performed via the finger print</a:t>
+            </a:r>
+          </a:p>
+          <a:p>
+            <a:r>
+              <a:rPr lang="en-US" dirty="0" smtClean="0"/>
+              <a:t>The landing screen is the map of all the shards. If a shard is not available, it is greyed out otherwise the area around the shard is clickable</a:t>
+            </a:r>
+          </a:p>
+          <a:p>
+            <a:r>
+              <a:rPr lang="en-US" dirty="0" smtClean="0"/>
+              <a:t>Clicking on a shard opens its identity card it is then possible to buy it</a:t>
+            </a:r>
+          </a:p>
+          <a:p>
+            <a:r>
+              <a:rPr lang="en-US" dirty="0" smtClean="0"/>
+              <a:t>Clicking the buy button reserves the shard, if the number of co-owners is reached (1 for an </a:t>
+            </a:r>
+            <a:r>
+              <a:rPr lang="en-US" dirty="0" err="1" smtClean="0"/>
+              <a:t>Nft</a:t>
+            </a:r>
+            <a:r>
+              <a:rPr lang="en-US" dirty="0" smtClean="0"/>
+              <a:t>), the shard is made non available</a:t>
+            </a:r>
+          </a:p>
+          <a:p>
+            <a:pPr marL="0" indent="0">
+              <a:buNone/>
+            </a:pPr>
+            <a:endParaRPr lang="en-US" dirty="0"/>
+          </a:p>
+        </p:txBody>
+      </p:sp>
+    </p:spTree>
+    <p:extLst>
+      <p:ext uri="{BB962C8B-B14F-4D97-AF65-F5344CB8AC3E}">
+        <p14:creationId xmlns:p14="http://schemas.microsoft.com/office/powerpoint/2010/main" val="3685637613"/>
+      </p:ext>
+    </p:extLst>
+  </p:cSld>
+  <p:clrMapOvr>
+    <a:masterClrMapping/>
+  </p:clrMapOvr>
+</p:sld>
+</file>
+
+<file path=ppt/slides/slide11.xml><?xml version="1.0" encoding="utf-8"?>
+<p:sld xmlns:a="http://schemas.openxmlformats.org/drawingml/2006/main" xmlns:r="http://schemas.openxmlformats.org/officeDocument/2006/relationships" xmlns:p="http://schemas.openxmlformats.org/presentationml/2006/main">
+  <p:cSld>
+    <p:spTree>
+      <p:nvGrpSpPr>
+        <p:cNvPr id="1" name=""/>
+        <p:cNvGrpSpPr/>
+        <p:nvPr/>
+      </p:nvGrpSpPr>
+      <p:grpSpPr>
+        <a:xfrm>
+          <a:off x="0" y="0"/>
+          <a:ext cx="0" cy="0"/>
+          <a:chOff x="0" y="0"/>
+          <a:chExt cx="0" cy="0"/>
+        </a:xfrm>
+      </p:grpSpPr>
+      <p:sp>
+        <p:nvSpPr>
+          <p:cNvPr id="2" name="Title 1"/>
+          <p:cNvSpPr>
+            <a:spLocks noGrp="1"/>
+          </p:cNvSpPr>
+          <p:nvPr>
+            <p:ph type="title"/>
+          </p:nvPr>
+        </p:nvSpPr>
+        <p:spPr/>
+        <p:txBody>
+          <a:bodyPr/>
+          <a:lstStyle/>
+          <a:p>
+            <a:r>
+              <a:rPr lang="en-US" dirty="0" err="1" smtClean="0"/>
+              <a:t>Pos</a:t>
+            </a:r>
+            <a:r>
+              <a:rPr lang="en-US" dirty="0" smtClean="0"/>
+              <a:t> – Main screens</a:t>
+            </a:r>
+            <a:endParaRPr lang="en-US" dirty="0"/>
+          </a:p>
+        </p:txBody>
+      </p:sp>
+      <p:sp>
+        <p:nvSpPr>
+          <p:cNvPr id="3" name="Content Placeholder 2"/>
+          <p:cNvSpPr>
+            <a:spLocks noGrp="1"/>
+          </p:cNvSpPr>
+          <p:nvPr>
+            <p:ph idx="1"/>
+          </p:nvPr>
+        </p:nvSpPr>
+        <p:spPr/>
+        <p:txBody>
+          <a:bodyPr>
+            <a:normAutofit/>
+          </a:bodyPr>
+          <a:lstStyle/>
+          <a:p>
+            <a:r>
+              <a:rPr lang="en-US" dirty="0" smtClean="0"/>
+              <a:t>The buying screen shows the different payment means:</a:t>
+            </a:r>
+          </a:p>
+          <a:p>
+            <a:pPr lvl="1"/>
+            <a:r>
+              <a:rPr lang="en-US" dirty="0" smtClean="0"/>
+              <a:t>Cash</a:t>
+            </a:r>
+          </a:p>
+          <a:p>
+            <a:pPr lvl="1"/>
+            <a:r>
+              <a:rPr lang="en-US" dirty="0" smtClean="0"/>
+              <a:t>Card</a:t>
+            </a:r>
+          </a:p>
+          <a:p>
+            <a:pPr lvl="1"/>
+            <a:r>
+              <a:rPr lang="en-US" dirty="0" smtClean="0"/>
+              <a:t>Crypto (stable coin or Ether)</a:t>
+            </a:r>
+          </a:p>
+          <a:p>
+            <a:r>
+              <a:rPr lang="en-US" dirty="0" smtClean="0"/>
+              <a:t>This screen also contains a QR code scanner to read the destination address where the token should be transferred</a:t>
+            </a:r>
+          </a:p>
+          <a:p>
+            <a:r>
+              <a:rPr lang="en-US" dirty="0" smtClean="0"/>
+              <a:t>The </a:t>
+            </a:r>
+            <a:r>
+              <a:rPr lang="en-US" dirty="0" err="1" smtClean="0"/>
+              <a:t>PoS</a:t>
+            </a:r>
+            <a:r>
+              <a:rPr lang="en-US" dirty="0" smtClean="0"/>
+              <a:t> only transfers the buying information to the server which performs the processing</a:t>
+            </a:r>
+          </a:p>
+          <a:p>
+            <a:r>
+              <a:rPr lang="en-US" dirty="0" smtClean="0"/>
+              <a:t>A technical screens displays the progress of the different sales so that buyers can be updated on the progress</a:t>
+            </a:r>
+            <a:endParaRPr lang="en-US" dirty="0"/>
+          </a:p>
+        </p:txBody>
+      </p:sp>
+    </p:spTree>
+    <p:extLst>
+      <p:ext uri="{BB962C8B-B14F-4D97-AF65-F5344CB8AC3E}">
+        <p14:creationId xmlns:p14="http://schemas.microsoft.com/office/powerpoint/2010/main" val="1454065929"/>
+      </p:ext>
+    </p:extLst>
+  </p:cSld>
+  <p:clrMapOvr>
+    <a:masterClrMapping/>
+  </p:clrMapOvr>
+</p:sld>
+</file>
+
+<file path=ppt/slides/slide12.xml><?xml version="1.0" encoding="utf-8"?>
+<p:sld xmlns:a="http://schemas.openxmlformats.org/drawingml/2006/main" xmlns:r="http://schemas.openxmlformats.org/officeDocument/2006/relationships" xmlns:p="http://schemas.openxmlformats.org/presentationml/2006/main">
+  <p:cSld>
+    <p:spTree>
+      <p:nvGrpSpPr>
+        <p:cNvPr id="1" name=""/>
+        <p:cNvGrpSpPr/>
+        <p:nvPr/>
+      </p:nvGrpSpPr>
+      <p:grpSpPr>
+        <a:xfrm>
+          <a:off x="0" y="0"/>
+          <a:ext cx="0" cy="0"/>
+          <a:chOff x="0" y="0"/>
+          <a:chExt cx="0" cy="0"/>
+        </a:xfrm>
+      </p:grpSpPr>
+      <p:sp>
+        <p:nvSpPr>
+          <p:cNvPr id="2" name="Title 1"/>
+          <p:cNvSpPr>
+            <a:spLocks noGrp="1"/>
+          </p:cNvSpPr>
+          <p:nvPr>
+            <p:ph type="title"/>
+          </p:nvPr>
+        </p:nvSpPr>
+        <p:spPr/>
+        <p:txBody>
+          <a:bodyPr/>
+          <a:lstStyle/>
+          <a:p>
+            <a:r>
+              <a:rPr lang="en-US" dirty="0" err="1" smtClean="0"/>
+              <a:t>PoSConfig</a:t>
+            </a:r>
+            <a:r>
+              <a:rPr lang="en-US" dirty="0" smtClean="0"/>
+              <a:t> – An app to setup the </a:t>
+            </a:r>
+            <a:r>
+              <a:rPr lang="en-US" dirty="0" err="1" smtClean="0"/>
+              <a:t>PoS</a:t>
+            </a:r>
+            <a:endParaRPr lang="en-US" dirty="0"/>
+          </a:p>
+        </p:txBody>
+      </p:sp>
+      <p:sp>
+        <p:nvSpPr>
+          <p:cNvPr id="3" name="Content Placeholder 2"/>
+          <p:cNvSpPr>
+            <a:spLocks noGrp="1"/>
+          </p:cNvSpPr>
+          <p:nvPr>
+            <p:ph idx="1"/>
+          </p:nvPr>
+        </p:nvSpPr>
+        <p:spPr/>
+        <p:txBody>
+          <a:bodyPr/>
+          <a:lstStyle/>
+          <a:p>
+            <a:r>
+              <a:rPr lang="en-US" dirty="0" smtClean="0"/>
+              <a:t>Configure the map of shards: position, id, price of each shard</a:t>
+            </a:r>
+          </a:p>
+          <a:p>
+            <a:r>
+              <a:rPr lang="en-US" dirty="0" smtClean="0"/>
+              <a:t>Enroll a </a:t>
+            </a:r>
+            <a:r>
+              <a:rPr lang="en-US" dirty="0" err="1" smtClean="0"/>
+              <a:t>PoS</a:t>
+            </a:r>
+            <a:r>
+              <a:rPr lang="en-US" dirty="0" smtClean="0"/>
+              <a:t> / Salesman: define the cryptographic credentials for a </a:t>
+            </a:r>
+            <a:r>
+              <a:rPr lang="en-US" dirty="0" err="1" smtClean="0"/>
+              <a:t>PoS</a:t>
+            </a:r>
+            <a:r>
+              <a:rPr lang="en-US" dirty="0" smtClean="0"/>
+              <a:t> and for a salesman</a:t>
+            </a:r>
+          </a:p>
+          <a:p>
+            <a:endParaRPr lang="en-US" dirty="0" smtClean="0"/>
+          </a:p>
+          <a:p>
+            <a:endParaRPr lang="en-US" dirty="0"/>
+          </a:p>
+        </p:txBody>
+      </p:sp>
+    </p:spTree>
+    <p:extLst>
+      <p:ext uri="{BB962C8B-B14F-4D97-AF65-F5344CB8AC3E}">
+        <p14:creationId xmlns:p14="http://schemas.microsoft.com/office/powerpoint/2010/main" val="2024486007"/>
+      </p:ext>
+    </p:extLst>
+  </p:cSld>
+  <p:clrMapOvr>
+    <a:masterClrMapping/>
+  </p:clrMapOvr>
+</p:sld>
+</file>
+
+<file path=ppt/slides/slide13.xml><?xml version="1.0" encoding="utf-8"?>
+<p:sld xmlns:a="http://schemas.openxmlformats.org/drawingml/2006/main" xmlns:r="http://schemas.openxmlformats.org/officeDocument/2006/relationships" xmlns:p="http://schemas.openxmlformats.org/presentationml/2006/main">
+  <p:cSld>
+    <p:spTree>
+      <p:nvGrpSpPr>
+        <p:cNvPr id="1" name=""/>
+        <p:cNvGrpSpPr/>
+        <p:nvPr/>
+      </p:nvGrpSpPr>
+      <p:grpSpPr>
+        <a:xfrm>
+          <a:off x="0" y="0"/>
+          <a:ext cx="0" cy="0"/>
+          <a:chOff x="0" y="0"/>
+          <a:chExt cx="0" cy="0"/>
+        </a:xfrm>
+      </p:grpSpPr>
+      <p:sp>
+        <p:nvSpPr>
+          <p:cNvPr id="2" name="Title 1"/>
+          <p:cNvSpPr>
+            <a:spLocks noGrp="1"/>
+          </p:cNvSpPr>
+          <p:nvPr>
+            <p:ph type="title"/>
+          </p:nvPr>
+        </p:nvSpPr>
+        <p:spPr/>
+        <p:txBody>
+          <a:bodyPr/>
+          <a:lstStyle/>
+          <a:p>
+            <a:r>
+              <a:rPr lang="en-US" dirty="0" smtClean="0"/>
+              <a:t>Client App </a:t>
+            </a:r>
+            <a:endParaRPr lang="en-US" dirty="0"/>
+          </a:p>
+        </p:txBody>
+      </p:sp>
+      <p:sp>
+        <p:nvSpPr>
+          <p:cNvPr id="3" name="Content Placeholder 2"/>
+          <p:cNvSpPr>
+            <a:spLocks noGrp="1"/>
+          </p:cNvSpPr>
+          <p:nvPr>
+            <p:ph idx="1"/>
+          </p:nvPr>
+        </p:nvSpPr>
+        <p:spPr/>
+        <p:txBody>
+          <a:bodyPr/>
+          <a:lstStyle/>
+          <a:p>
+            <a:r>
+              <a:rPr lang="en-US" dirty="0" smtClean="0"/>
+              <a:t>Shows the map</a:t>
+            </a:r>
+          </a:p>
+          <a:p>
+            <a:r>
+              <a:rPr lang="en-US" dirty="0" smtClean="0"/>
+              <a:t>Shows the purchased shard (picture and model)</a:t>
+            </a:r>
+          </a:p>
+          <a:p>
+            <a:r>
+              <a:rPr lang="en-US" dirty="0" smtClean="0"/>
+              <a:t>Plays the video (synchronized by the server) </a:t>
+            </a:r>
+            <a:endParaRPr lang="en-US" dirty="0"/>
+          </a:p>
+        </p:txBody>
+      </p:sp>
+    </p:spTree>
+    <p:extLst>
+      <p:ext uri="{BB962C8B-B14F-4D97-AF65-F5344CB8AC3E}">
+        <p14:creationId xmlns:p14="http://schemas.microsoft.com/office/powerpoint/2010/main" val="2572583683"/>
+      </p:ext>
+    </p:extLst>
+  </p:cSld>
+  <p:clrMapOvr>
+    <a:masterClrMapping/>
+  </p:clrMapOvr>
+  <p:timing>
+    <p:tnLst>
+      <p:par>
+        <p:cTn id="1" dur="indefinite" restart="never" nodeType="tmRoot"/>
+      </p:par>
+    </p:tnLst>
+  </p:timing>
+</p:sld>
+</file>
+
 <file path=ppt/slides/slide2.xml><?xml version="1.0" encoding="utf-8"?>
 <p:sld xmlns:a="http://schemas.openxmlformats.org/drawingml/2006/main" xmlns:r="http://schemas.openxmlformats.org/officeDocument/2006/relationships" xmlns:p="http://schemas.openxmlformats.org/presentationml/2006/main">
   <p:cSld>
@@ -4108,7 +4587,15 @@
           <a:p>
             <a:r>
               <a:rPr lang="en-GB" dirty="0"/>
-              <a:t>Displays all available tokens, allows to define their price</a:t>
+              <a:t>Displays </a:t>
+            </a:r>
+            <a:r>
+              <a:rPr lang="en-GB" dirty="0" smtClean="0"/>
+              <a:t>a map of all </a:t>
+            </a:r>
+            <a:r>
+              <a:rPr lang="en-GB" dirty="0"/>
+              <a:t>available tokens, allows to define their price</a:t>
             </a:r>
           </a:p>
           <a:p>
@@ -4564,7 +5051,9 @@
         </p:nvSpPr>
         <p:spPr/>
         <p:txBody>
-          <a:bodyPr/>
+          <a:bodyPr>
+            <a:normAutofit/>
+          </a:bodyPr>
           <a:lstStyle/>
           <a:p>
             <a:r>
@@ -4584,20 +5073,35 @@
             <a:pPr lvl="1"/>
             <a:r>
               <a:rPr lang="en-GB" dirty="0"/>
-              <a:t>Tokens locks and </a:t>
-            </a:r>
-            <a:r>
-              <a:rPr lang="en-GB" dirty="0" err="1"/>
+              <a:t>Tokens locks </a:t>
+            </a:r>
+            <a:r>
+              <a:rPr lang="en-GB" dirty="0" smtClean="0"/>
+              <a:t>/ </a:t>
+            </a:r>
+            <a:r>
+              <a:rPr lang="en-GB" dirty="0" err="1" smtClean="0"/>
               <a:t>unlockcs</a:t>
             </a:r>
+            <a:r>
+              <a:rPr lang="en-GB" dirty="0" smtClean="0"/>
+              <a:t> / sales</a:t>
+            </a:r>
+          </a:p>
+          <a:p>
+            <a:pPr lvl="1"/>
+            <a:r>
+              <a:rPr lang="en-GB" dirty="0" smtClean="0"/>
+              <a:t>Token price changes (optional)</a:t>
+            </a:r>
+          </a:p>
+          <a:p>
+            <a:pPr lvl="1"/>
+            <a:r>
+              <a:rPr lang="en-GB" dirty="0" smtClean="0"/>
+              <a:t>Synchronize the video players in the client apps</a:t>
+            </a:r>
             <a:endParaRPr lang="en-GB" dirty="0"/>
-          </a:p>
-          <a:p>
-            <a:pPr lvl="1"/>
-            <a:r>
-              <a:rPr lang="en-GB" dirty="0"/>
-              <a:t>Tokens sales</a:t>
-            </a:r>
           </a:p>
           <a:p>
             <a:pPr lvl="1"/>
@@ -4620,8 +5124,23 @@
             <a:pPr lvl="1"/>
             <a:r>
               <a:rPr lang="en-GB" dirty="0"/>
-              <a:t>Ether payments</a:t>
-            </a:r>
+              <a:t>Ether </a:t>
+            </a:r>
+            <a:r>
+              <a:rPr lang="en-GB" dirty="0" smtClean="0"/>
+              <a:t>payments</a:t>
+            </a:r>
+          </a:p>
+          <a:p>
+            <a:pPr lvl="1"/>
+            <a:endParaRPr lang="en-GB" dirty="0"/>
+          </a:p>
+          <a:p>
+            <a:r>
+              <a:rPr lang="en-GB" dirty="0" smtClean="0"/>
+              <a:t>Usage statistics</a:t>
+            </a:r>
+            <a:endParaRPr lang="en-GB" dirty="0"/>
           </a:p>
           <a:p>
             <a:pPr marL="457200" lvl="1" indent="0">
